--- a/Day2.pptx
+++ b/Day2.pptx
@@ -1543,7 +1543,7 @@
           <a:p>
             <a:fld id="{3B691ABC-A100-4C17-BF44-47B91CE9CCB3}" type="datetimeFigureOut">
               <a:rPr lang="en-US" smtClean="0"/>
-              <a:t>2/9/2023</a:t>
+              <a:t>2/10/2023</a:t>
             </a:fld>
             <a:endParaRPr lang="en-US"/>
           </a:p>
@@ -1727,7 +1727,7 @@
           <a:p>
             <a:fld id="{D3F2CA2A-B6AE-4222-8A00-A0E4B2FB2BE0}" type="datetimeFigureOut">
               <a:rPr lang="en-US" smtClean="0"/>
-              <a:t>2/9/2023</a:t>
+              <a:t>2/10/2023</a:t>
             </a:fld>
             <a:endParaRPr lang="en-US"/>
           </a:p>
@@ -7290,85 +7290,35 @@
         </p:spPr>
         <p:txBody>
           <a:bodyPr>
-            <a:normAutofit fontScale="77500" lnSpcReduction="20000"/>
+            <a:normAutofit fontScale="92500" lnSpcReduction="10000"/>
           </a:bodyPr>
           <a:lstStyle/>
           <a:p>
-            <a:pPr marL="457200" lvl="1" indent="-349250"/>
-            <a:r>
-              <a:rPr lang="en-US" sz="4000"/>
-              <a:t>the sort() method sorts a list in place ("permanently")</a:t>
-            </a:r>
-          </a:p>
-          <a:p>
-            <a:pPr marL="114300" indent="0">
-              <a:buNone/>
-            </a:pPr>
-            <a:endParaRPr lang="en-US" sz="1400"/>
-          </a:p>
-          <a:p>
-            <a:pPr marL="914400" indent="0">
-              <a:buNone/>
-            </a:pPr>
-            <a:r>
-              <a:rPr lang="en-US" sz="2900">
-                <a:latin typeface="Courier New" panose="02070309020205020404" pitchFamily="49" charset="0"/>
-                <a:cs typeface="Courier New" panose="02070309020205020404" pitchFamily="49" charset="0"/>
-              </a:rPr>
-              <a:t>stats = [48.0, 30.5, 20.2, 100.0]</a:t>
-            </a:r>
-          </a:p>
-          <a:p>
-            <a:pPr marL="914400" indent="0">
-              <a:buNone/>
-            </a:pPr>
-            <a:r>
-              <a:rPr lang="en-US" sz="2900">
-                <a:latin typeface="Courier New" panose="02070309020205020404" pitchFamily="49" charset="0"/>
-                <a:cs typeface="Courier New" panose="02070309020205020404" pitchFamily="49" charset="0"/>
-              </a:rPr>
-              <a:t>stats.sort()</a:t>
-            </a:r>
-          </a:p>
-          <a:p>
-            <a:pPr marL="914400" indent="0">
-              <a:buNone/>
-            </a:pPr>
-            <a:r>
-              <a:rPr lang="en-US" sz="2900">
-                <a:latin typeface="Courier New" panose="02070309020205020404" pitchFamily="49" charset="0"/>
-                <a:cs typeface="Courier New" panose="02070309020205020404" pitchFamily="49" charset="0"/>
-              </a:rPr>
-              <a:t>print(stats)</a:t>
-            </a:r>
-            <a:endParaRPr lang="en-US" sz="1700" b="1"/>
-          </a:p>
-          <a:p>
             <a:pPr marL="457200" indent="-350838"/>
             <a:r>
-              <a:rPr lang="en-US" sz="4000"/>
+              <a:rPr lang="en-US" sz="2800"/>
               <a:t>the sorted() </a:t>
             </a:r>
             <a:r>
-              <a:rPr lang="en-US" sz="4000" u="sng"/>
+              <a:rPr lang="en-US" sz="2800" u="sng"/>
               <a:t>function</a:t>
             </a:r>
             <a:r>
-              <a:rPr lang="en-US" sz="4000"/>
+              <a:rPr lang="en-US" sz="2800"/>
               <a:t> (not method) returns a sorted copy of the list</a:t>
             </a:r>
           </a:p>
           <a:p>
             <a:pPr marL="914400" indent="-287338"/>
             <a:r>
-              <a:rPr lang="en-US" sz="4000"/>
+              <a:rPr lang="en-US" sz="2800"/>
               <a:t>does not modify the original list</a:t>
             </a:r>
           </a:p>
           <a:p>
             <a:pPr marL="914400" lvl="1" indent="-287338"/>
             <a:r>
-              <a:rPr lang="en-US" sz="4000"/>
+              <a:rPr lang="en-US" sz="2800"/>
               <a:t>copy can be assigned to a variable</a:t>
             </a:r>
           </a:p>
@@ -7377,10 +7327,10 @@
               <a:buNone/>
             </a:pPr>
             <a:br>
-              <a:rPr lang="en-US" sz="1700"/>
+              <a:rPr lang="en-US" sz="1200"/>
             </a:br>
             <a:r>
-              <a:rPr lang="en-US" sz="2900">
+              <a:rPr lang="en-US" sz="2400">
                 <a:latin typeface="Courier New" panose="02070309020205020404" pitchFamily="49" charset="0"/>
                 <a:cs typeface="Courier New" panose="02070309020205020404" pitchFamily="49" charset="0"/>
               </a:rPr>
@@ -7392,7 +7342,7 @@
               <a:buNone/>
             </a:pPr>
             <a:r>
-              <a:rPr lang="en-US" sz="2900">
+              <a:rPr lang="en-US" sz="2400">
                 <a:latin typeface="Courier New" panose="02070309020205020404" pitchFamily="49" charset="0"/>
                 <a:cs typeface="Courier New" panose="02070309020205020404" pitchFamily="49" charset="0"/>
               </a:rPr>
@@ -7404,13 +7354,13 @@
               <a:buNone/>
             </a:pPr>
             <a:r>
-              <a:rPr lang="en-US" sz="2900">
+              <a:rPr lang="en-US" sz="2400">
                 <a:latin typeface="Courier New" panose="02070309020205020404" pitchFamily="49" charset="0"/>
                 <a:cs typeface="Courier New" panose="02070309020205020404" pitchFamily="49" charset="0"/>
               </a:rPr>
               <a:t>print(sorted(stats))</a:t>
             </a:r>
-            <a:endParaRPr lang="en-US" sz="2900">
+            <a:endParaRPr lang="en-US" sz="2400">
               <a:highlight>
                 <a:srgbClr val="FFFF00"/>
               </a:highlight>
@@ -7423,17 +7373,71 @@
               <a:buNone/>
             </a:pPr>
             <a:r>
-              <a:rPr lang="en-US" sz="2900">
+              <a:rPr lang="en-US" sz="2400">
                 <a:latin typeface="Courier New" panose="02070309020205020404" pitchFamily="49" charset="0"/>
                 <a:cs typeface="Courier New" panose="02070309020205020404" pitchFamily="49" charset="0"/>
               </a:rPr>
               <a:t>print(sorted_stats)</a:t>
             </a:r>
-            <a:endParaRPr lang="en-US" sz="4000" b="1">
-              <a:highlight>
-                <a:srgbClr val="FFFF00"/>
-              </a:highlight>
+          </a:p>
+          <a:p>
+            <a:pPr marL="914400" lvl="1" indent="0">
+              <a:buNone/>
+            </a:pPr>
+            <a:endParaRPr lang="en-US" sz="2400">
+              <a:latin typeface="Courier New" panose="02070309020205020404" pitchFamily="49" charset="0"/>
+              <a:cs typeface="Courier New" panose="02070309020205020404" pitchFamily="49" charset="0"/>
             </a:endParaRPr>
+          </a:p>
+          <a:p>
+            <a:pPr marL="457200" lvl="1" indent="-349250"/>
+            <a:r>
+              <a:rPr lang="en-US" sz="2800"/>
+              <a:t>the sort() method sorts a list in place ("permanently")</a:t>
+            </a:r>
+          </a:p>
+          <a:p>
+            <a:pPr marL="114300" indent="0">
+              <a:buNone/>
+            </a:pPr>
+            <a:endParaRPr lang="en-US" sz="1100"/>
+          </a:p>
+          <a:p>
+            <a:pPr marL="914400" indent="0">
+              <a:buNone/>
+            </a:pPr>
+            <a:r>
+              <a:rPr lang="en-US" sz="2400">
+                <a:latin typeface="Courier New" panose="02070309020205020404" pitchFamily="49" charset="0"/>
+                <a:cs typeface="Courier New" panose="02070309020205020404" pitchFamily="49" charset="0"/>
+              </a:rPr>
+              <a:t>stats = [48.0, 30.5, 20.2, 100.0]</a:t>
+            </a:r>
+          </a:p>
+          <a:p>
+            <a:pPr marL="914400" indent="0">
+              <a:buNone/>
+            </a:pPr>
+            <a:r>
+              <a:rPr lang="en-US" sz="2400">
+                <a:latin typeface="Courier New" panose="02070309020205020404" pitchFamily="49" charset="0"/>
+                <a:cs typeface="Courier New" panose="02070309020205020404" pitchFamily="49" charset="0"/>
+              </a:rPr>
+              <a:t>stats.sort()</a:t>
+            </a:r>
+          </a:p>
+          <a:p>
+            <a:pPr marL="914400" indent="0">
+              <a:buNone/>
+            </a:pPr>
+            <a:r>
+              <a:rPr lang="en-US" sz="2400">
+                <a:latin typeface="Courier New" panose="02070309020205020404" pitchFamily="49" charset="0"/>
+                <a:cs typeface="Courier New" panose="02070309020205020404" pitchFamily="49" charset="0"/>
+              </a:rPr>
+              <a:t>print(stats)</a:t>
+            </a:r>
+            <a:endParaRPr lang="en-US" sz="1200" b="1"/>
           </a:p>
         </p:txBody>
       </p:sp>
@@ -7474,7 +7478,7 @@
         </p:nvSpPr>
         <p:spPr>
           <a:xfrm>
-            <a:off x="7868871" y="2519847"/>
+            <a:off x="7386620" y="5801667"/>
             <a:ext cx="2900727" cy="400110"/>
           </a:xfrm>
           <a:prstGeom prst="rect">
@@ -7522,7 +7526,7 @@
         </p:nvSpPr>
         <p:spPr>
           <a:xfrm>
-            <a:off x="7868872" y="5241198"/>
+            <a:off x="7386619" y="3027465"/>
             <a:ext cx="2900727" cy="1015663"/>
           </a:xfrm>
           <a:prstGeom prst="rect">

--- a/Day2.pptx
+++ b/Day2.pptx
@@ -1543,7 +1543,7 @@
           <a:p>
             <a:fld id="{3B691ABC-A100-4C17-BF44-47B91CE9CCB3}" type="datetimeFigureOut">
               <a:rPr lang="en-US" smtClean="0"/>
-              <a:t>2/10/2023</a:t>
+              <a:t>2/17/2023</a:t>
             </a:fld>
             <a:endParaRPr lang="en-US"/>
           </a:p>
@@ -1727,7 +1727,7 @@
           <a:p>
             <a:fld id="{D3F2CA2A-B6AE-4222-8A00-A0E4B2FB2BE0}" type="datetimeFigureOut">
               <a:rPr lang="en-US" smtClean="0"/>
-              <a:t>2/10/2023</a:t>
+              <a:t>2/17/2023</a:t>
             </a:fld>
             <a:endParaRPr lang="en-US"/>
           </a:p>
@@ -6170,7 +6170,21 @@
                 <a:latin typeface="Courier New" panose="02070309020205020404" pitchFamily="49" charset="0"/>
                 <a:cs typeface="Courier New" panose="02070309020205020404" pitchFamily="49" charset="0"/>
               </a:rPr>
-              <a:t>(parameter_0, parameter_1='default value')</a:t>
+              <a:t>(parameter_0, parameter</a:t>
+            </a:r>
+            <a:r>
+              <a:rPr lang="en-US" b="1">
+                <a:latin typeface="Courier New" panose="02070309020205020404" pitchFamily="49" charset="0"/>
+                <a:cs typeface="Courier New" panose="02070309020205020404" pitchFamily="49" charset="0"/>
+              </a:rPr>
+              <a:t>_1='default </a:t>
+            </a:r>
+            <a:r>
+              <a:rPr lang="en-US" b="1" dirty="0">
+                <a:latin typeface="Courier New" panose="02070309020205020404" pitchFamily="49" charset="0"/>
+                <a:cs typeface="Courier New" panose="02070309020205020404" pitchFamily="49" charset="0"/>
+              </a:rPr>
+              <a:t>value')</a:t>
             </a:r>
           </a:p>
           <a:p>
@@ -6204,7 +6218,21 @@
                 <a:latin typeface="Courier New" panose="02070309020205020404" pitchFamily="49" charset="0"/>
                 <a:cs typeface="Courier New" panose="02070309020205020404" pitchFamily="49" charset="0"/>
               </a:rPr>
-              <a:t>(value_0, parameter_1='value')</a:t>
+              <a:t>(value_0</a:t>
+            </a:r>
+            <a:r>
+              <a:rPr lang="en-US" b="1">
+                <a:latin typeface="Courier New" panose="02070309020205020404" pitchFamily="49" charset="0"/>
+                <a:cs typeface="Courier New" panose="02070309020205020404" pitchFamily="49" charset="0"/>
+              </a:rPr>
+              <a:t>, argument_</a:t>
+            </a:r>
+            <a:r>
+              <a:rPr lang="en-US" b="1" dirty="0">
+                <a:latin typeface="Courier New" panose="02070309020205020404" pitchFamily="49" charset="0"/>
+                <a:cs typeface="Courier New" panose="02070309020205020404" pitchFamily="49" charset="0"/>
+              </a:rPr>
+              <a:t>1='value')</a:t>
             </a:r>
           </a:p>
         </p:txBody>
@@ -25093,7 +25121,7 @@
         <p:spPr>
           <a:xfrm>
             <a:off x="1254760" y="3383064"/>
-            <a:ext cx="8869680" cy="2246769"/>
+            <a:ext cx="8869680" cy="1754326"/>
           </a:xfrm>
           <a:prstGeom prst="rect">
             <a:avLst/>
@@ -25109,49 +25137,49 @@
           <a:lstStyle/>
           <a:p>
             <a:r>
-              <a:rPr lang="en-US" sz="2000" dirty="0">
+              <a:rPr lang="en-US" dirty="0">
                 <a:latin typeface="Courier New" panose="02070309020205020404" pitchFamily="49" charset="0"/>
                 <a:cs typeface="Courier New" panose="02070309020205020404" pitchFamily="49" charset="0"/>
               </a:rPr>
               <a:t>def </a:t>
             </a:r>
             <a:r>
-              <a:rPr lang="en-US" sz="2000" dirty="0" err="1">
+              <a:rPr lang="en-US" dirty="0" err="1">
                 <a:latin typeface="Courier New" panose="02070309020205020404" pitchFamily="49" charset="0"/>
                 <a:cs typeface="Courier New" panose="02070309020205020404" pitchFamily="49" charset="0"/>
               </a:rPr>
               <a:t>describe_pet</a:t>
             </a:r>
             <a:r>
-              <a:rPr lang="en-US" sz="2000" dirty="0">
+              <a:rPr lang="en-US" dirty="0">
                 <a:latin typeface="Courier New" panose="02070309020205020404" pitchFamily="49" charset="0"/>
                 <a:cs typeface="Courier New" panose="02070309020205020404" pitchFamily="49" charset="0"/>
               </a:rPr>
               <a:t>(</a:t>
             </a:r>
             <a:r>
-              <a:rPr lang="en-US" sz="2000" b="1" dirty="0" err="1">
+              <a:rPr lang="en-US" b="1" dirty="0" err="1">
                 <a:latin typeface="Courier New" panose="02070309020205020404" pitchFamily="49" charset="0"/>
                 <a:cs typeface="Courier New" panose="02070309020205020404" pitchFamily="49" charset="0"/>
               </a:rPr>
               <a:t>animal_type</a:t>
             </a:r>
             <a:r>
-              <a:rPr lang="en-US" sz="2000" b="1" dirty="0">
+              <a:rPr lang="en-US" b="1" dirty="0">
                 <a:latin typeface="Courier New" panose="02070309020205020404" pitchFamily="49" charset="0"/>
                 <a:cs typeface="Courier New" panose="02070309020205020404" pitchFamily="49" charset="0"/>
               </a:rPr>
               <a:t>, </a:t>
             </a:r>
             <a:r>
-              <a:rPr lang="en-US" sz="2000" b="1" dirty="0" err="1">
+              <a:rPr lang="en-US" b="1" dirty="0" err="1">
                 <a:latin typeface="Courier New" panose="02070309020205020404" pitchFamily="49" charset="0"/>
                 <a:cs typeface="Courier New" panose="02070309020205020404" pitchFamily="49" charset="0"/>
               </a:rPr>
               <a:t>pet_name</a:t>
             </a:r>
             <a:r>
-              <a:rPr lang="en-US" sz="2000" dirty="0">
+              <a:rPr lang="en-US" dirty="0">
                 <a:latin typeface="Courier New" panose="02070309020205020404" pitchFamily="49" charset="0"/>
                 <a:cs typeface="Courier New" panose="02070309020205020404" pitchFamily="49" charset="0"/>
               </a:rPr>
@@ -25160,7 +25188,7 @@
           </a:p>
           <a:p>
             <a:r>
-              <a:rPr lang="en-US" sz="2000" dirty="0">
+              <a:rPr lang="en-US" dirty="0">
                 <a:latin typeface="Courier New" panose="02070309020205020404" pitchFamily="49" charset="0"/>
                 <a:cs typeface="Courier New" panose="02070309020205020404" pitchFamily="49" charset="0"/>
               </a:rPr>
@@ -25169,35 +25197,35 @@
           </a:p>
           <a:p>
             <a:r>
-              <a:rPr lang="en-US" sz="2000" dirty="0">
+              <a:rPr lang="en-US" dirty="0">
                 <a:latin typeface="Courier New" panose="02070309020205020404" pitchFamily="49" charset="0"/>
                 <a:cs typeface="Courier New" panose="02070309020205020404" pitchFamily="49" charset="0"/>
               </a:rPr>
               <a:t>       print(f"\</a:t>
             </a:r>
             <a:r>
-              <a:rPr lang="en-US" sz="2000" dirty="0" err="1">
+              <a:rPr lang="en-US" dirty="0" err="1">
                 <a:latin typeface="Courier New" panose="02070309020205020404" pitchFamily="49" charset="0"/>
                 <a:cs typeface="Courier New" panose="02070309020205020404" pitchFamily="49" charset="0"/>
               </a:rPr>
               <a:t>nI</a:t>
             </a:r>
             <a:r>
-              <a:rPr lang="en-US" sz="2000" dirty="0">
+              <a:rPr lang="en-US" dirty="0">
                 <a:latin typeface="Courier New" panose="02070309020205020404" pitchFamily="49" charset="0"/>
                 <a:cs typeface="Courier New" panose="02070309020205020404" pitchFamily="49" charset="0"/>
               </a:rPr>
               <a:t> have a {</a:t>
             </a:r>
             <a:r>
-              <a:rPr lang="en-US" sz="2000" dirty="0" err="1">
+              <a:rPr lang="en-US" dirty="0" err="1">
                 <a:latin typeface="Courier New" panose="02070309020205020404" pitchFamily="49" charset="0"/>
                 <a:cs typeface="Courier New" panose="02070309020205020404" pitchFamily="49" charset="0"/>
               </a:rPr>
               <a:t>animal_type</a:t>
             </a:r>
             <a:r>
-              <a:rPr lang="en-US" sz="2000" dirty="0">
+              <a:rPr lang="en-US" dirty="0">
                 <a:latin typeface="Courier New" panose="02070309020205020404" pitchFamily="49" charset="0"/>
                 <a:cs typeface="Courier New" panose="02070309020205020404" pitchFamily="49" charset="0"/>
               </a:rPr>
@@ -25206,49 +25234,49 @@
           </a:p>
           <a:p>
             <a:r>
-              <a:rPr lang="en-US" sz="2000" dirty="0">
+              <a:rPr lang="en-US" dirty="0">
                 <a:latin typeface="Courier New" panose="02070309020205020404" pitchFamily="49" charset="0"/>
                 <a:cs typeface="Courier New" panose="02070309020205020404" pitchFamily="49" charset="0"/>
               </a:rPr>
               <a:t>       print(</a:t>
             </a:r>
             <a:r>
-              <a:rPr lang="en-US" sz="2000" dirty="0" err="1">
+              <a:rPr lang="en-US" dirty="0" err="1">
                 <a:latin typeface="Courier New" panose="02070309020205020404" pitchFamily="49" charset="0"/>
                 <a:cs typeface="Courier New" panose="02070309020205020404" pitchFamily="49" charset="0"/>
               </a:rPr>
               <a:t>f"My</a:t>
             </a:r>
             <a:r>
-              <a:rPr lang="en-US" sz="2000" dirty="0">
+              <a:rPr lang="en-US" dirty="0">
                 <a:latin typeface="Courier New" panose="02070309020205020404" pitchFamily="49" charset="0"/>
                 <a:cs typeface="Courier New" panose="02070309020205020404" pitchFamily="49" charset="0"/>
               </a:rPr>
               <a:t> {</a:t>
             </a:r>
             <a:r>
-              <a:rPr lang="en-US" sz="2000" dirty="0" err="1">
+              <a:rPr lang="en-US" dirty="0" err="1">
                 <a:latin typeface="Courier New" panose="02070309020205020404" pitchFamily="49" charset="0"/>
                 <a:cs typeface="Courier New" panose="02070309020205020404" pitchFamily="49" charset="0"/>
               </a:rPr>
               <a:t>animal_type</a:t>
             </a:r>
             <a:r>
-              <a:rPr lang="en-US" sz="2000" dirty="0">
+              <a:rPr lang="en-US" dirty="0">
                 <a:latin typeface="Courier New" panose="02070309020205020404" pitchFamily="49" charset="0"/>
                 <a:cs typeface="Courier New" panose="02070309020205020404" pitchFamily="49" charset="0"/>
               </a:rPr>
               <a:t>}'s name is {</a:t>
             </a:r>
             <a:r>
-              <a:rPr lang="en-US" sz="2000" dirty="0" err="1">
+              <a:rPr lang="en-US" dirty="0" err="1">
                 <a:latin typeface="Courier New" panose="02070309020205020404" pitchFamily="49" charset="0"/>
                 <a:cs typeface="Courier New" panose="02070309020205020404" pitchFamily="49" charset="0"/>
               </a:rPr>
               <a:t>pet_name.title</a:t>
             </a:r>
             <a:r>
-              <a:rPr lang="en-US" sz="2000" dirty="0">
+              <a:rPr lang="en-US" dirty="0">
                 <a:latin typeface="Courier New" panose="02070309020205020404" pitchFamily="49" charset="0"/>
                 <a:cs typeface="Courier New" panose="02070309020205020404" pitchFamily="49" charset="0"/>
               </a:rPr>
@@ -25256,35 +25284,35 @@
             </a:r>
           </a:p>
           <a:p>
-            <a:endParaRPr lang="en-US" sz="2000" dirty="0">
+            <a:endParaRPr lang="en-US" dirty="0">
               <a:latin typeface="Courier New" panose="02070309020205020404" pitchFamily="49" charset="0"/>
               <a:cs typeface="Courier New" panose="02070309020205020404" pitchFamily="49" charset="0"/>
             </a:endParaRPr>
           </a:p>
           <a:p>
             <a:r>
-              <a:rPr lang="en-US" sz="2000" dirty="0" err="1">
+              <a:rPr lang="en-US" dirty="0" err="1">
                 <a:latin typeface="Courier New" panose="02070309020205020404" pitchFamily="49" charset="0"/>
                 <a:cs typeface="Courier New" panose="02070309020205020404" pitchFamily="49" charset="0"/>
               </a:rPr>
               <a:t>describe_pet</a:t>
             </a:r>
             <a:r>
-              <a:rPr lang="en-US" sz="2000" dirty="0">
+              <a:rPr lang="en-US" dirty="0">
                 <a:latin typeface="Courier New" panose="02070309020205020404" pitchFamily="49" charset="0"/>
                 <a:cs typeface="Courier New" panose="02070309020205020404" pitchFamily="49" charset="0"/>
               </a:rPr>
               <a:t>(</a:t>
             </a:r>
             <a:r>
-              <a:rPr lang="en-US" sz="2000" b="1" dirty="0">
+              <a:rPr lang="en-US" b="1" dirty="0">
                 <a:latin typeface="Courier New" panose="02070309020205020404" pitchFamily="49" charset="0"/>
                 <a:cs typeface="Courier New" panose="02070309020205020404" pitchFamily="49" charset="0"/>
               </a:rPr>
               <a:t>'hamster', 'harry'</a:t>
             </a:r>
             <a:r>
-              <a:rPr lang="en-US" sz="2000" dirty="0">
+              <a:rPr lang="en-US" dirty="0">
                 <a:latin typeface="Courier New" panose="02070309020205020404" pitchFamily="49" charset="0"/>
                 <a:cs typeface="Courier New" panose="02070309020205020404" pitchFamily="49" charset="0"/>
               </a:rPr>
@@ -25660,14 +25688,28 @@
                 <a:latin typeface="Courier New" panose="02070309020205020404" pitchFamily="49" charset="0"/>
                 <a:cs typeface="Courier New" panose="02070309020205020404" pitchFamily="49" charset="0"/>
               </a:rPr>
-              <a:t>animal_type</a:t>
+              <a:t>animal</a:t>
+            </a:r>
+            <a:r>
+              <a:rPr lang="en-US" sz="2000" b="1" err="1">
+                <a:latin typeface="Courier New" panose="02070309020205020404" pitchFamily="49" charset="0"/>
+                <a:cs typeface="Courier New" panose="02070309020205020404" pitchFamily="49" charset="0"/>
+              </a:rPr>
+              <a:t>_</a:t>
+            </a:r>
+            <a:r>
+              <a:rPr lang="en-US" sz="2000" b="1">
+                <a:latin typeface="Courier New" panose="02070309020205020404" pitchFamily="49" charset="0"/>
+                <a:cs typeface="Courier New" panose="02070309020205020404" pitchFamily="49" charset="0"/>
+              </a:rPr>
+              <a:t>type='hamster</a:t>
             </a:r>
             <a:r>
               <a:rPr lang="en-US" sz="2000" b="1" dirty="0">
                 <a:latin typeface="Courier New" panose="02070309020205020404" pitchFamily="49" charset="0"/>
                 <a:cs typeface="Courier New" panose="02070309020205020404" pitchFamily="49" charset="0"/>
               </a:rPr>
-              <a:t>='hamster', </a:t>
+              <a:t>', </a:t>
             </a:r>
             <a:r>
               <a:rPr lang="en-US" sz="2000" b="1" dirty="0" err="1">
@@ -26814,7 +26856,7 @@
         </p:nvSpPr>
         <p:spPr>
           <a:xfrm>
-            <a:off x="1591056" y="5400532"/>
+            <a:off x="1511925" y="5409324"/>
             <a:ext cx="8485631" cy="461665"/>
           </a:xfrm>
           <a:prstGeom prst="rect">
@@ -27094,79 +27136,30 @@
                 <a:latin typeface="Courier New" panose="02070309020205020404" pitchFamily="49" charset="0"/>
                 <a:cs typeface="Courier New" panose="02070309020205020404" pitchFamily="49" charset="0"/>
               </a:rPr>
-              <a:t>middle_name</a:t>
-            </a:r>
-            <a:r>
-              <a:rPr lang="en-US" sz="2000" dirty="0">
-                <a:latin typeface="Courier New" panose="02070309020205020404" pitchFamily="49" charset="0"/>
-                <a:cs typeface="Courier New" panose="02070309020205020404" pitchFamily="49" charset="0"/>
-              </a:rPr>
-              <a:t>:</a:t>
-            </a:r>
-          </a:p>
-          <a:p>
+              <a:t>middle_</a:t>
+            </a:r>
+            <a:r>
+              <a:rPr lang="en-US" sz="2000" err="1">
+                <a:latin typeface="Courier New" panose="02070309020205020404" pitchFamily="49" charset="0"/>
+                <a:cs typeface="Courier New" panose="02070309020205020404" pitchFamily="49" charset="0"/>
+              </a:rPr>
+              <a:t>name</a:t>
+            </a:r>
             <a:r>
               <a:rPr lang="en-US" sz="2000">
                 <a:latin typeface="Courier New" panose="02070309020205020404" pitchFamily="49" charset="0"/>
                 <a:cs typeface="Courier New" panose="02070309020205020404" pitchFamily="49" charset="0"/>
               </a:rPr>
-              <a:t>        full</a:t>
-            </a:r>
-            <a:r>
-              <a:rPr lang="en-US" sz="2000" dirty="0" err="1">
-                <a:latin typeface="Courier New" panose="02070309020205020404" pitchFamily="49" charset="0"/>
-                <a:cs typeface="Courier New" panose="02070309020205020404" pitchFamily="49" charset="0"/>
-              </a:rPr>
-              <a:t>_name</a:t>
-            </a:r>
-            <a:r>
-              <a:rPr lang="en-US" sz="2000" dirty="0">
-                <a:latin typeface="Courier New" panose="02070309020205020404" pitchFamily="49" charset="0"/>
-                <a:cs typeface="Courier New" panose="02070309020205020404" pitchFamily="49" charset="0"/>
-              </a:rPr>
-              <a:t> = f"{</a:t>
-            </a:r>
-            <a:r>
-              <a:rPr lang="en-US" sz="2000" dirty="0" err="1">
-                <a:latin typeface="Courier New" panose="02070309020205020404" pitchFamily="49" charset="0"/>
-                <a:cs typeface="Courier New" panose="02070309020205020404" pitchFamily="49" charset="0"/>
-              </a:rPr>
-              <a:t>first_name</a:t>
-            </a:r>
-            <a:r>
-              <a:rPr lang="en-US" sz="2000" dirty="0">
-                <a:latin typeface="Courier New" panose="02070309020205020404" pitchFamily="49" charset="0"/>
-                <a:cs typeface="Courier New" panose="02070309020205020404" pitchFamily="49" charset="0"/>
-              </a:rPr>
-              <a:t>} {</a:t>
-            </a:r>
-            <a:r>
-              <a:rPr lang="en-US" sz="2000" dirty="0" err="1">
-                <a:latin typeface="Courier New" panose="02070309020205020404" pitchFamily="49" charset="0"/>
-                <a:cs typeface="Courier New" panose="02070309020205020404" pitchFamily="49" charset="0"/>
-              </a:rPr>
-              <a:t>middle_name</a:t>
-            </a:r>
+              <a:t>:  # if middle name exists</a:t>
+            </a:r>
+          </a:p>
+          <a:p>
             <a:r>
               <a:rPr lang="en-US" sz="2000">
                 <a:latin typeface="Courier New" panose="02070309020205020404" pitchFamily="49" charset="0"/>
                 <a:cs typeface="Courier New" panose="02070309020205020404" pitchFamily="49" charset="0"/>
               </a:rPr>
-              <a:t>} {last</a:t>
-            </a:r>
-            <a:r>
-              <a:rPr lang="en-US" sz="2000" dirty="0" err="1">
-                <a:latin typeface="Courier New" panose="02070309020205020404" pitchFamily="49" charset="0"/>
-                <a:cs typeface="Courier New" panose="02070309020205020404" pitchFamily="49" charset="0"/>
-              </a:rPr>
-              <a:t>_name</a:t>
-            </a:r>
-            <a:r>
-              <a:rPr lang="en-US" sz="2000" dirty="0">
-                <a:latin typeface="Courier New" panose="02070309020205020404" pitchFamily="49" charset="0"/>
-                <a:cs typeface="Courier New" panose="02070309020205020404" pitchFamily="49" charset="0"/>
-              </a:rPr>
-              <a:t>}"</a:t>
+              <a:t>        full_name = f"{first_name} {middle_name} {last_name}"</a:t>
             </a:r>
           </a:p>
           <a:p>
@@ -28137,58 +28130,23 @@
                 <a:latin typeface="Courier New" panose="02070309020205020404" pitchFamily="49" charset="0"/>
                 <a:cs typeface="Courier New" panose="02070309020205020404" pitchFamily="49" charset="0"/>
               </a:rPr>
-              <a:t># manage lists of 3D printer models</a:t>
-            </a:r>
-          </a:p>
-          <a:p>
-            <a:r>
-              <a:rPr lang="en-US" sz="2000" dirty="0">
-                <a:latin typeface="Courier New" panose="02070309020205020404" pitchFamily="49" charset="0"/>
-                <a:cs typeface="Courier New" panose="02070309020205020404" pitchFamily="49" charset="0"/>
-              </a:rPr>
-              <a:t>def </a:t>
-            </a:r>
-            <a:r>
-              <a:rPr lang="en-US" sz="2000" dirty="0" err="1">
-                <a:latin typeface="Courier New" panose="02070309020205020404" pitchFamily="49" charset="0"/>
-                <a:cs typeface="Courier New" panose="02070309020205020404" pitchFamily="49" charset="0"/>
-              </a:rPr>
-              <a:t>print_models</a:t>
-            </a:r>
-            <a:r>
-              <a:rPr lang="en-US" sz="2000" dirty="0">
-                <a:latin typeface="Courier New" panose="02070309020205020404" pitchFamily="49" charset="0"/>
-                <a:cs typeface="Courier New" panose="02070309020205020404" pitchFamily="49" charset="0"/>
-              </a:rPr>
-              <a:t>(</a:t>
-            </a:r>
-            <a:r>
-              <a:rPr lang="en-US" sz="2000" dirty="0" err="1">
-                <a:latin typeface="Courier New" panose="02070309020205020404" pitchFamily="49" charset="0"/>
-                <a:cs typeface="Courier New" panose="02070309020205020404" pitchFamily="49" charset="0"/>
-              </a:rPr>
-              <a:t>unprinted_designs</a:t>
-            </a:r>
-            <a:r>
-              <a:rPr lang="en-US" sz="2000" dirty="0">
-                <a:latin typeface="Courier New" panose="02070309020205020404" pitchFamily="49" charset="0"/>
-                <a:cs typeface="Courier New" panose="02070309020205020404" pitchFamily="49" charset="0"/>
-              </a:rPr>
-              <a:t>, </a:t>
-            </a:r>
-            <a:r>
-              <a:rPr lang="en-US" sz="2000" dirty="0" err="1">
-                <a:latin typeface="Courier New" panose="02070309020205020404" pitchFamily="49" charset="0"/>
-                <a:cs typeface="Courier New" panose="02070309020205020404" pitchFamily="49" charset="0"/>
-              </a:rPr>
-              <a:t>completed_models</a:t>
-            </a:r>
-            <a:r>
-              <a:rPr lang="en-US" sz="2000" dirty="0">
-                <a:latin typeface="Courier New" panose="02070309020205020404" pitchFamily="49" charset="0"/>
-                <a:cs typeface="Courier New" panose="02070309020205020404" pitchFamily="49" charset="0"/>
-              </a:rPr>
-              <a:t>):</a:t>
+              <a:t># manage lists of 3D </a:t>
+            </a:r>
+            <a:r>
+              <a:rPr lang="en-US" sz="2000">
+                <a:latin typeface="Courier New" panose="02070309020205020404" pitchFamily="49" charset="0"/>
+                <a:cs typeface="Courier New" panose="02070309020205020404" pitchFamily="49" charset="0"/>
+              </a:rPr>
+              <a:t>printer models   # pass by reference</a:t>
+            </a:r>
+          </a:p>
+          <a:p>
+            <a:r>
+              <a:rPr lang="en-US" sz="2000">
+                <a:latin typeface="Courier New" panose="02070309020205020404" pitchFamily="49" charset="0"/>
+                <a:cs typeface="Courier New" panose="02070309020205020404" pitchFamily="49" charset="0"/>
+              </a:rPr>
+              <a:t>def print_models(unprinted_designs, completed_models):</a:t>
             </a:r>
           </a:p>
           <a:p>
@@ -28705,7 +28663,7 @@
         <p:spPr>
           <a:xfrm>
             <a:off x="850392" y="1346737"/>
-            <a:ext cx="9537192" cy="1938992"/>
+            <a:ext cx="9537192" cy="1477328"/>
           </a:xfrm>
           <a:prstGeom prst="rect">
             <a:avLst/>
@@ -28721,14 +28679,14 @@
           <a:lstStyle/>
           <a:p>
             <a:r>
-              <a:rPr lang="en-US" sz="2000" dirty="0" err="1">
+              <a:rPr lang="en-US" dirty="0" err="1">
                 <a:latin typeface="Courier New" panose="02070309020205020404" pitchFamily="49" charset="0"/>
                 <a:cs typeface="Courier New" panose="02070309020205020404" pitchFamily="49" charset="0"/>
               </a:rPr>
               <a:t>unprinted_designs</a:t>
             </a:r>
             <a:r>
-              <a:rPr lang="en-US" sz="2000" dirty="0">
+              <a:rPr lang="en-US" dirty="0">
                 <a:latin typeface="Courier New" panose="02070309020205020404" pitchFamily="49" charset="0"/>
                 <a:cs typeface="Courier New" panose="02070309020205020404" pitchFamily="49" charset="0"/>
               </a:rPr>
@@ -28737,14 +28695,14 @@
           </a:p>
           <a:p>
             <a:r>
-              <a:rPr lang="en-US" sz="2000" dirty="0" err="1">
+              <a:rPr lang="en-US" dirty="0" err="1">
                 <a:latin typeface="Courier New" panose="02070309020205020404" pitchFamily="49" charset="0"/>
                 <a:cs typeface="Courier New" panose="02070309020205020404" pitchFamily="49" charset="0"/>
               </a:rPr>
               <a:t>completed_models</a:t>
             </a:r>
             <a:r>
-              <a:rPr lang="en-US" sz="2000" dirty="0">
+              <a:rPr lang="en-US" dirty="0">
                 <a:latin typeface="Courier New" panose="02070309020205020404" pitchFamily="49" charset="0"/>
                 <a:cs typeface="Courier New" panose="02070309020205020404" pitchFamily="49" charset="0"/>
               </a:rPr>
@@ -28752,49 +28710,49 @@
             </a:r>
           </a:p>
           <a:p>
-            <a:endParaRPr lang="en-US" sz="2000" dirty="0">
+            <a:endParaRPr lang="en-US" dirty="0">
               <a:latin typeface="Courier New" panose="02070309020205020404" pitchFamily="49" charset="0"/>
               <a:cs typeface="Courier New" panose="02070309020205020404" pitchFamily="49" charset="0"/>
             </a:endParaRPr>
           </a:p>
           <a:p>
             <a:r>
-              <a:rPr lang="en-US" sz="2000" dirty="0" err="1">
+              <a:rPr lang="en-US" dirty="0" err="1">
                 <a:latin typeface="Courier New" panose="02070309020205020404" pitchFamily="49" charset="0"/>
                 <a:cs typeface="Courier New" panose="02070309020205020404" pitchFamily="49" charset="0"/>
               </a:rPr>
               <a:t>print_models</a:t>
             </a:r>
             <a:r>
-              <a:rPr lang="en-US" sz="2000" dirty="0">
+              <a:rPr lang="en-US" dirty="0">
                 <a:latin typeface="Courier New" panose="02070309020205020404" pitchFamily="49" charset="0"/>
                 <a:cs typeface="Courier New" panose="02070309020205020404" pitchFamily="49" charset="0"/>
               </a:rPr>
               <a:t>(</a:t>
             </a:r>
             <a:r>
-              <a:rPr lang="en-US" sz="2000" dirty="0" err="1">
+              <a:rPr lang="en-US" dirty="0" err="1">
                 <a:latin typeface="Courier New" panose="02070309020205020404" pitchFamily="49" charset="0"/>
                 <a:cs typeface="Courier New" panose="02070309020205020404" pitchFamily="49" charset="0"/>
               </a:rPr>
               <a:t>unprinted_designs</a:t>
             </a:r>
             <a:r>
-              <a:rPr lang="en-US" sz="2000" dirty="0">
+              <a:rPr lang="en-US" dirty="0">
                 <a:latin typeface="Courier New" panose="02070309020205020404" pitchFamily="49" charset="0"/>
                 <a:cs typeface="Courier New" panose="02070309020205020404" pitchFamily="49" charset="0"/>
               </a:rPr>
               <a:t>, </a:t>
             </a:r>
             <a:r>
-              <a:rPr lang="en-US" sz="2000" dirty="0" err="1">
+              <a:rPr lang="en-US" dirty="0" err="1">
                 <a:latin typeface="Courier New" panose="02070309020205020404" pitchFamily="49" charset="0"/>
                 <a:cs typeface="Courier New" panose="02070309020205020404" pitchFamily="49" charset="0"/>
               </a:rPr>
               <a:t>completed_models</a:t>
             </a:r>
             <a:r>
-              <a:rPr lang="en-US" sz="2000" dirty="0">
+              <a:rPr lang="en-US" dirty="0">
                 <a:latin typeface="Courier New" panose="02070309020205020404" pitchFamily="49" charset="0"/>
                 <a:cs typeface="Courier New" panose="02070309020205020404" pitchFamily="49" charset="0"/>
               </a:rPr>
@@ -28803,28 +28761,28 @@
           </a:p>
           <a:p>
             <a:r>
-              <a:rPr lang="en-US" sz="2000" dirty="0" err="1">
+              <a:rPr lang="en-US" dirty="0" err="1">
                 <a:latin typeface="Courier New" panose="02070309020205020404" pitchFamily="49" charset="0"/>
                 <a:cs typeface="Courier New" panose="02070309020205020404" pitchFamily="49" charset="0"/>
               </a:rPr>
               <a:t>show_completed_models</a:t>
             </a:r>
             <a:r>
-              <a:rPr lang="en-US" sz="2000" dirty="0">
+              <a:rPr lang="en-US" dirty="0">
                 <a:latin typeface="Courier New" panose="02070309020205020404" pitchFamily="49" charset="0"/>
                 <a:cs typeface="Courier New" panose="02070309020205020404" pitchFamily="49" charset="0"/>
               </a:rPr>
               <a:t>(</a:t>
             </a:r>
             <a:r>
-              <a:rPr lang="en-US" sz="2000" dirty="0" err="1">
+              <a:rPr lang="en-US" dirty="0" err="1">
                 <a:latin typeface="Courier New" panose="02070309020205020404" pitchFamily="49" charset="0"/>
                 <a:cs typeface="Courier New" panose="02070309020205020404" pitchFamily="49" charset="0"/>
               </a:rPr>
               <a:t>completed_models</a:t>
             </a:r>
             <a:r>
-              <a:rPr lang="en-US" sz="2000" dirty="0">
+              <a:rPr lang="en-US" dirty="0">
                 <a:latin typeface="Courier New" panose="02070309020205020404" pitchFamily="49" charset="0"/>
                 <a:cs typeface="Courier New" panose="02070309020205020404" pitchFamily="49" charset="0"/>
               </a:rPr>
@@ -31336,37 +31294,41 @@
                 <a:latin typeface="Courier New" panose="02070309020205020404" pitchFamily="49" charset="0"/>
                 <a:cs typeface="Courier New" panose="02070309020205020404" pitchFamily="49" charset="0"/>
               </a:rPr>
-              <a:t>build_profile</a:t>
+              <a:t>build_</a:t>
+            </a:r>
+            <a:r>
+              <a:rPr lang="en-US" sz="2000" err="1">
+                <a:latin typeface="Courier New" panose="02070309020205020404" pitchFamily="49" charset="0"/>
+                <a:cs typeface="Courier New" panose="02070309020205020404" pitchFamily="49" charset="0"/>
+              </a:rPr>
+              <a:t>profile</a:t>
+            </a:r>
+            <a:r>
+              <a:rPr lang="en-US" sz="2000">
+                <a:latin typeface="Courier New" panose="02070309020205020404" pitchFamily="49" charset="0"/>
+                <a:cs typeface="Courier New" panose="02070309020205020404" pitchFamily="49" charset="0"/>
+              </a:rPr>
+              <a:t>('albert', 'einstein',</a:t>
+            </a:r>
+            <a:endParaRPr lang="en-US" sz="2000" dirty="0">
+              <a:latin typeface="Courier New" panose="02070309020205020404" pitchFamily="49" charset="0"/>
+              <a:cs typeface="Courier New" panose="02070309020205020404" pitchFamily="49" charset="0"/>
+            </a:endParaRPr>
+          </a:p>
+          <a:p>
+            <a:r>
+              <a:rPr lang="en-US" sz="2000">
+                <a:latin typeface="Courier New" panose="02070309020205020404" pitchFamily="49" charset="0"/>
+                <a:cs typeface="Courier New" panose="02070309020205020404" pitchFamily="49" charset="0"/>
+              </a:rPr>
+              <a:t>                             location</a:t>
             </a:r>
             <a:r>
               <a:rPr lang="en-US" sz="2000" dirty="0">
                 <a:latin typeface="Courier New" panose="02070309020205020404" pitchFamily="49" charset="0"/>
                 <a:cs typeface="Courier New" panose="02070309020205020404" pitchFamily="49" charset="0"/>
               </a:rPr>
-              <a:t>('albert', '</a:t>
-            </a:r>
-            <a:r>
-              <a:rPr lang="en-US" sz="2000" dirty="0" err="1">
-                <a:latin typeface="Courier New" panose="02070309020205020404" pitchFamily="49" charset="0"/>
-                <a:cs typeface="Courier New" panose="02070309020205020404" pitchFamily="49" charset="0"/>
-              </a:rPr>
-              <a:t>einstein</a:t>
-            </a:r>
-            <a:r>
-              <a:rPr lang="en-US" sz="2000" dirty="0">
-                <a:latin typeface="Courier New" panose="02070309020205020404" pitchFamily="49" charset="0"/>
-                <a:cs typeface="Courier New" panose="02070309020205020404" pitchFamily="49" charset="0"/>
-              </a:rPr>
-              <a:t>',</a:t>
-            </a:r>
-          </a:p>
-          <a:p>
-            <a:r>
-              <a:rPr lang="en-US" sz="2000" dirty="0">
-                <a:latin typeface="Courier New" panose="02070309020205020404" pitchFamily="49" charset="0"/>
-                <a:cs typeface="Courier New" panose="02070309020205020404" pitchFamily="49" charset="0"/>
-              </a:rPr>
-              <a:t>                             location='</a:t>
+              <a:t>='</a:t>
             </a:r>
             <a:r>
               <a:rPr lang="en-US" sz="2000" dirty="0" err="1">
@@ -32339,58 +32301,65 @@
               <a:buNone/>
             </a:pPr>
             <a:r>
+              <a:rPr lang="en-US" sz="1800">
+                <a:latin typeface="Courier New" panose="02070309020205020404" pitchFamily="49" charset="0"/>
+                <a:cs typeface="Courier New" panose="02070309020205020404" pitchFamily="49" charset="0"/>
+              </a:rPr>
+              <a:t>    </a:t>
+            </a:r>
+            <a:r>
+              <a:rPr lang="en-US" sz="1800" b="1" u="sng">
+                <a:latin typeface="Courier New" panose="02070309020205020404" pitchFamily="49" charset="0"/>
+                <a:cs typeface="Courier New" panose="02070309020205020404" pitchFamily="49" charset="0"/>
+              </a:rPr>
+              <a:t>tax</a:t>
+            </a:r>
+            <a:r>
+              <a:rPr lang="en-US" sz="1800">
+                <a:latin typeface="Courier New" panose="02070309020205020404" pitchFamily="49" charset="0"/>
+                <a:cs typeface="Courier New" panose="02070309020205020404" pitchFamily="49" charset="0"/>
+              </a:rPr>
+              <a:t> </a:t>
+            </a:r>
+            <a:r>
               <a:rPr lang="en-US" sz="1800" dirty="0">
                 <a:latin typeface="Courier New" panose="02070309020205020404" pitchFamily="49" charset="0"/>
                 <a:cs typeface="Courier New" panose="02070309020205020404" pitchFamily="49" charset="0"/>
               </a:rPr>
-              <a:t>    </a:t>
-            </a:r>
-            <a:r>
-              <a:rPr lang="en-US" sz="1800" b="1" u="sng" dirty="0">
-                <a:latin typeface="Courier New" panose="02070309020205020404" pitchFamily="49" charset="0"/>
-                <a:cs typeface="Courier New" panose="02070309020205020404" pitchFamily="49" charset="0"/>
-              </a:rPr>
-              <a:t>tax</a:t>
+              <a:t>= </a:t>
+            </a:r>
+            <a:r>
+              <a:rPr lang="en-US" sz="1800" dirty="0" err="1">
+                <a:latin typeface="Courier New" panose="02070309020205020404" pitchFamily="49" charset="0"/>
+                <a:cs typeface="Courier New" panose="02070309020205020404" pitchFamily="49" charset="0"/>
+              </a:rPr>
+              <a:t>calc_tax</a:t>
             </a:r>
             <a:r>
               <a:rPr lang="en-US" sz="1800" dirty="0">
                 <a:latin typeface="Courier New" panose="02070309020205020404" pitchFamily="49" charset="0"/>
                 <a:cs typeface="Courier New" panose="02070309020205020404" pitchFamily="49" charset="0"/>
               </a:rPr>
-              <a:t> = </a:t>
-            </a:r>
-            <a:r>
-              <a:rPr lang="en-US" sz="1800" dirty="0" err="1">
-                <a:latin typeface="Courier New" panose="02070309020205020404" pitchFamily="49" charset="0"/>
-                <a:cs typeface="Courier New" panose="02070309020205020404" pitchFamily="49" charset="0"/>
-              </a:rPr>
-              <a:t>calc_tax</a:t>
-            </a:r>
+              <a:t>(85.0, .05)   # tax is a local variable in main</a:t>
+            </a:r>
+          </a:p>
+          <a:p>
+            <a:pPr marL="114300" lvl="0" indent="0">
+              <a:buNone/>
+            </a:pPr>
             <a:r>
               <a:rPr lang="en-US" sz="1800" dirty="0">
                 <a:latin typeface="Courier New" panose="02070309020205020404" pitchFamily="49" charset="0"/>
                 <a:cs typeface="Courier New" panose="02070309020205020404" pitchFamily="49" charset="0"/>
               </a:rPr>
-              <a:t>(85.0, .05)   # tax is a local variable in main</a:t>
-            </a:r>
-          </a:p>
-          <a:p>
-            <a:pPr marL="114300" lvl="0" indent="0">
-              <a:buNone/>
-            </a:pPr>
-            <a:r>
-              <a:rPr lang="en-US" sz="1800" dirty="0">
-                <a:latin typeface="Courier New" panose="02070309020205020404" pitchFamily="49" charset="0"/>
-                <a:cs typeface="Courier New" panose="02070309020205020404" pitchFamily="49" charset="0"/>
-              </a:rPr>
-              <a:t>    print("Tax:", tax</a:t>
+              <a:t>    print("Tax</a:t>
             </a:r>
             <a:r>
               <a:rPr lang="en-US" sz="1800">
                 <a:latin typeface="Courier New" panose="02070309020205020404" pitchFamily="49" charset="0"/>
                 <a:cs typeface="Courier New" panose="02070309020205020404" pitchFamily="49" charset="0"/>
               </a:rPr>
-              <a:t>)          # </a:t>
+              <a:t>:", tax)          # </a:t>
             </a:r>
             <a:r>
               <a:rPr lang="en-US" sz="1800" dirty="0">
@@ -35297,8 +35266,19 @@
                 <a:latin typeface="Courier New" panose="02070309020205020404" pitchFamily="49" charset="0"/>
                 <a:cs typeface="Courier New" panose="02070309020205020404" pitchFamily="49" charset="0"/>
               </a:rPr>
-              <a:t>if __name__ == “ __main__”:</a:t>
-            </a:r>
+              <a:t>if __name__ </a:t>
+            </a:r>
+            <a:r>
+              <a:rPr lang="en-US" sz="9600" b="1">
+                <a:latin typeface="Courier New" panose="02070309020205020404" pitchFamily="49" charset="0"/>
+                <a:cs typeface="Courier New" panose="02070309020205020404" pitchFamily="49" charset="0"/>
+              </a:rPr>
+              <a:t>== '__main__':</a:t>
+            </a:r>
+            <a:endParaRPr lang="en-US" sz="9600" b="1" dirty="0">
+              <a:latin typeface="Courier New" panose="02070309020205020404" pitchFamily="49" charset="0"/>
+              <a:cs typeface="Courier New" panose="02070309020205020404" pitchFamily="49" charset="0"/>
+            </a:endParaRPr>
           </a:p>
           <a:p>
             <a:pPr marL="1828800" indent="0">
@@ -35446,7 +35426,7 @@
         </p:spPr>
         <p:txBody>
           <a:bodyPr>
-            <a:normAutofit fontScale="40000" lnSpcReduction="20000"/>
+            <a:normAutofit fontScale="32500" lnSpcReduction="20000"/>
           </a:bodyPr>
           <a:lstStyle/>
           <a:p>
@@ -35957,7 +35937,7 @@
         </p:spPr>
         <p:txBody>
           <a:bodyPr>
-            <a:normAutofit fontScale="40000" lnSpcReduction="20000"/>
+            <a:normAutofit/>
           </a:bodyPr>
           <a:lstStyle/>
           <a:p>
@@ -36186,13 +36166,25 @@
           <a:p>
             <a:r>
               <a:rPr lang="en-US" sz="3200" dirty="0"/>
-              <a:t>Storing functions in a separate file supports code reuse </a:t>
-            </a:r>
-          </a:p>
-          <a:p>
+              <a:t>Storing functions in a separate </a:t>
+            </a:r>
+            <a:r>
+              <a:rPr lang="en-US" sz="3200"/>
+              <a:t>file supports </a:t>
+            </a:r>
             <a:r>
               <a:rPr lang="en-US" sz="3200" dirty="0"/>
-              <a:t>Other programmers can share your functions without having to share the entire program</a:t>
+              <a:t>code reuse </a:t>
+            </a:r>
+          </a:p>
+          <a:p>
+            <a:r>
+              <a:rPr lang="en-US" sz="3200"/>
+              <a:t>Other programmers can share your functions without </a:t>
+            </a:r>
+            <a:r>
+              <a:rPr lang="en-US" sz="3200" dirty="0"/>
+              <a:t>having to share the entire program</a:t>
             </a:r>
           </a:p>
           <a:p>
@@ -36307,7 +36299,7 @@
         </p:spPr>
         <p:txBody>
           <a:bodyPr>
-            <a:normAutofit fontScale="85000" lnSpcReduction="20000"/>
+            <a:normAutofit/>
           </a:bodyPr>
           <a:lstStyle/>
           <a:p>
@@ -36326,7 +36318,7 @@
               </a:tabLst>
             </a:pPr>
             <a:r>
-              <a:rPr lang="en-US" sz="4000" b="1" dirty="0"/>
+              <a:rPr lang="en-US" sz="2800" b="1" dirty="0"/>
               <a:t>import temperature</a:t>
             </a:r>
           </a:p>
@@ -36334,31 +36326,31 @@
             <a:pPr marL="1828800" lvl="1" indent="0">
               <a:buNone/>
             </a:pPr>
-            <a:endParaRPr lang="en-US" sz="1400" b="1" dirty="0"/>
+            <a:endParaRPr lang="en-US" sz="1050" b="1" dirty="0"/>
           </a:p>
           <a:p>
             <a:pPr marL="292100" lvl="1" indent="-292100"/>
             <a:r>
-              <a:rPr lang="en-US" sz="3800" dirty="0"/>
+              <a:rPr lang="en-US" sz="2800" dirty="0"/>
               <a:t>Python imports modules into a </a:t>
             </a:r>
             <a:r>
-              <a:rPr lang="en-US" sz="3800" u="sng" dirty="0"/>
+              <a:rPr lang="en-US" sz="2800" u="sng" dirty="0"/>
               <a:t>namespace</a:t>
             </a:r>
           </a:p>
           <a:p>
             <a:pPr marL="657860" lvl="2" indent="-292100"/>
             <a:r>
-              <a:rPr lang="en-US" sz="3300" dirty="0"/>
+              <a:rPr lang="en-US" sz="2400" dirty="0"/>
               <a:t>by default the namespace has the same name as the module</a:t>
             </a:r>
-            <a:endParaRPr lang="en-US" sz="1300" dirty="0"/>
+            <a:endParaRPr lang="en-US" sz="1050" dirty="0"/>
           </a:p>
           <a:p>
             <a:pPr marL="292100" lvl="1" indent="-292100"/>
             <a:r>
-              <a:rPr lang="en-US" sz="3800" dirty="0"/>
+              <a:rPr lang="en-US" sz="2800" dirty="0"/>
               <a:t>To use the functions from a different file, prefix the function name with the namespace name and a dot</a:t>
             </a:r>
           </a:p>
@@ -36410,7 +36402,7 @@
         <p:spPr>
           <a:xfrm>
             <a:off x="1809496" y="4401851"/>
-            <a:ext cx="7760208" cy="1200329"/>
+            <a:ext cx="7760208" cy="1569660"/>
           </a:xfrm>
           <a:prstGeom prst="rect">
             <a:avLst/>
@@ -36426,12 +36418,25 @@
           <a:lstStyle/>
           <a:p>
             <a:r>
-              <a:rPr lang="en-US" sz="2400" dirty="0">
+              <a:rPr lang="en-US" sz="2400">
                 <a:latin typeface="Courier New" panose="02070309020205020404" pitchFamily="49" charset="0"/>
                 <a:cs typeface="Courier New" panose="02070309020205020404" pitchFamily="49" charset="0"/>
               </a:rPr>
               <a:t>import temperature</a:t>
             </a:r>
+          </a:p>
+          <a:p>
+            <a:r>
+              <a:rPr lang="en-US" sz="2400">
+                <a:latin typeface="Courier New" panose="02070309020205020404" pitchFamily="49" charset="0"/>
+                <a:cs typeface="Courier New" panose="02070309020205020404" pitchFamily="49" charset="0"/>
+              </a:rPr>
+              <a:t>f = 212</a:t>
+            </a:r>
+            <a:endParaRPr lang="en-US" sz="2400" dirty="0">
+              <a:latin typeface="Courier New" panose="02070309020205020404" pitchFamily="49" charset="0"/>
+              <a:cs typeface="Courier New" panose="02070309020205020404" pitchFamily="49" charset="0"/>
+            </a:endParaRPr>
           </a:p>
           <a:p>
             <a:r>
@@ -36611,7 +36616,7 @@
         <p:spPr>
           <a:xfrm>
             <a:off x="2325624" y="3003911"/>
-            <a:ext cx="6096000" cy="1200329"/>
+            <a:ext cx="6096000" cy="1569660"/>
           </a:xfrm>
           <a:prstGeom prst="rect">
             <a:avLst/>
@@ -36631,15 +36636,35 @@
                 <a:latin typeface="Courier New" panose="02070309020205020404" pitchFamily="49" charset="0"/>
                 <a:cs typeface="Courier New" panose="02070309020205020404" pitchFamily="49" charset="0"/>
               </a:rPr>
-              <a:t>import temperature as </a:t>
-            </a:r>
-            <a:r>
-              <a:rPr lang="en-US" sz="2400" b="1" dirty="0">
+              <a:t>import temperature </a:t>
+            </a:r>
+            <a:r>
+              <a:rPr lang="en-US" sz="2400">
+                <a:latin typeface="Courier New" panose="02070309020205020404" pitchFamily="49" charset="0"/>
+                <a:cs typeface="Courier New" panose="02070309020205020404" pitchFamily="49" charset="0"/>
+              </a:rPr>
+              <a:t>as </a:t>
+            </a:r>
+            <a:r>
+              <a:rPr lang="en-US" sz="2400" b="1">
                 <a:latin typeface="Courier New" panose="02070309020205020404" pitchFamily="49" charset="0"/>
                 <a:cs typeface="Courier New" panose="02070309020205020404" pitchFamily="49" charset="0"/>
               </a:rPr>
               <a:t>temp</a:t>
             </a:r>
+          </a:p>
+          <a:p>
+            <a:r>
+              <a:rPr lang="en-US" sz="2400">
+                <a:latin typeface="Courier New" panose="02070309020205020404" pitchFamily="49" charset="0"/>
+                <a:cs typeface="Courier New" panose="02070309020205020404" pitchFamily="49" charset="0"/>
+              </a:rPr>
+              <a:t>f = 212</a:t>
+            </a:r>
+            <a:endParaRPr lang="en-US" sz="2400" b="1" dirty="0">
+              <a:latin typeface="Courier New" panose="02070309020205020404" pitchFamily="49" charset="0"/>
+              <a:cs typeface="Courier New" panose="02070309020205020404" pitchFamily="49" charset="0"/>
+            </a:endParaRPr>
           </a:p>
           <a:p>
             <a:r>
@@ -36816,7 +36841,7 @@
         <p:spPr>
           <a:xfrm>
             <a:off x="676656" y="2828836"/>
-            <a:ext cx="9884664" cy="1569660"/>
+            <a:ext cx="9884664" cy="1938992"/>
           </a:xfrm>
           <a:prstGeom prst="rect">
             <a:avLst/>
@@ -36845,11 +36870,27 @@
               <a:t>from temperature import </a:t>
             </a:r>
             <a:r>
-              <a:rPr lang="en-US" sz="2400" b="1" dirty="0" err="1">
-                <a:latin typeface="Courier New" panose="02070309020205020404" pitchFamily="49" charset="0"/>
-                <a:cs typeface="Courier New" panose="02070309020205020404" pitchFamily="49" charset="0"/>
-              </a:rPr>
-              <a:t>to_celsius</a:t>
+              <a:rPr lang="en-US" sz="2400" b="1" err="1">
+                <a:latin typeface="Courier New" panose="02070309020205020404" pitchFamily="49" charset="0"/>
+                <a:cs typeface="Courier New" panose="02070309020205020404" pitchFamily="49" charset="0"/>
+              </a:rPr>
+              <a:t>to</a:t>
+            </a:r>
+            <a:r>
+              <a:rPr lang="en-US" sz="2400" b="1">
+                <a:latin typeface="Courier New" panose="02070309020205020404" pitchFamily="49" charset="0"/>
+                <a:cs typeface="Courier New" panose="02070309020205020404" pitchFamily="49" charset="0"/>
+              </a:rPr>
+              <a:t>_celsius</a:t>
+            </a:r>
+          </a:p>
+          <a:p>
+            <a:r>
+              <a:rPr lang="en-US" sz="2400">
+                <a:latin typeface="Courier New" panose="02070309020205020404" pitchFamily="49" charset="0"/>
+                <a:cs typeface="Courier New" panose="02070309020205020404" pitchFamily="49" charset="0"/>
+              </a:rPr>
+              <a:t>f = 212</a:t>
             </a:r>
             <a:endParaRPr lang="en-US" sz="2400" b="1" dirty="0">
               <a:latin typeface="Courier New" panose="02070309020205020404" pitchFamily="49" charset="0"/>
@@ -36959,7 +37000,7 @@
         </p:spPr>
         <p:txBody>
           <a:bodyPr>
-            <a:normAutofit lnSpcReduction="10000"/>
+            <a:normAutofit/>
           </a:bodyPr>
           <a:lstStyle/>
           <a:p>
@@ -37091,7 +37132,7 @@
         <p:spPr>
           <a:xfrm>
             <a:off x="960120" y="1667548"/>
-            <a:ext cx="8494776" cy="1569660"/>
+            <a:ext cx="8494776" cy="1938992"/>
           </a:xfrm>
           <a:prstGeom prst="rect">
             <a:avLst/>
@@ -37117,8 +37158,28 @@
                 <a:latin typeface="Courier New" panose="02070309020205020404" pitchFamily="49" charset="0"/>
                 <a:cs typeface="Courier New" panose="02070309020205020404" pitchFamily="49" charset="0"/>
               </a:rPr>
-              <a:t>from temperature import *</a:t>
-            </a:r>
+              <a:t>from temperature </a:t>
+            </a:r>
+            <a:r>
+              <a:rPr lang="en-US" sz="2400" b="1">
+                <a:latin typeface="Courier New" panose="02070309020205020404" pitchFamily="49" charset="0"/>
+                <a:cs typeface="Courier New" panose="02070309020205020404" pitchFamily="49" charset="0"/>
+              </a:rPr>
+              <a:t>import *</a:t>
+            </a:r>
+          </a:p>
+          <a:p>
+            <a:r>
+              <a:rPr lang="en-US" sz="2400">
+                <a:latin typeface="Courier New" panose="02070309020205020404" pitchFamily="49" charset="0"/>
+                <a:cs typeface="Courier New" panose="02070309020205020404" pitchFamily="49" charset="0"/>
+              </a:rPr>
+              <a:t>f = 212</a:t>
+            </a:r>
+            <a:endParaRPr lang="en-US" sz="2400" b="1" dirty="0">
+              <a:latin typeface="Courier New" panose="02070309020205020404" pitchFamily="49" charset="0"/>
+              <a:cs typeface="Courier New" panose="02070309020205020404" pitchFamily="49" charset="0"/>
+            </a:endParaRPr>
           </a:p>
           <a:p>
             <a:r>
